--- a/Presentation.pptx
+++ b/Presentation.pptx
@@ -2084,7 +2084,7 @@
         <a:p>
           <a:r>
             <a:rPr lang="en-US" dirty="0"/>
-            <a:t>I’m a rebel</a:t>
+            <a:t>I’m happy</a:t>
           </a:r>
         </a:p>
       </dgm:t>
@@ -2120,7 +2120,7 @@
         <a:p>
           <a:r>
             <a:rPr lang="en-US" dirty="0"/>
-            <a:t>I’m depressed</a:t>
+            <a:t>I’m sad</a:t>
           </a:r>
         </a:p>
       </dgm:t>
@@ -3269,12 +3269,12 @@
         </a:fontRef>
       </dsp:style>
       <dsp:txBody>
-        <a:bodyPr spcFirstLastPara="0" vert="horz" wrap="square" lIns="24130" tIns="24130" rIns="24130" bIns="24130" numCol="1" spcCol="1270" anchor="ctr" anchorCtr="0">
+        <a:bodyPr spcFirstLastPara="0" vert="horz" wrap="square" lIns="25400" tIns="25400" rIns="25400" bIns="25400" numCol="1" spcCol="1270" anchor="ctr" anchorCtr="0">
           <a:noAutofit/>
         </a:bodyPr>
         <a:lstStyle/>
         <a:p>
-          <a:pPr marL="0" lvl="0" indent="0" algn="ctr" defTabSz="844550">
+          <a:pPr marL="0" lvl="0" indent="0" algn="ctr" defTabSz="889000">
             <a:lnSpc>
               <a:spcPct val="90000"/>
             </a:lnSpc>
@@ -3287,7 +3287,7 @@
             <a:buNone/>
           </a:pPr>
           <a:r>
-            <a:rPr lang="en-US" sz="1900" kern="1200" dirty="0"/>
+            <a:rPr lang="en-US" sz="2000" kern="1200" dirty="0"/>
             <a:t>I’m just awesome</a:t>
           </a:r>
         </a:p>
@@ -3347,12 +3347,12 @@
         </a:fontRef>
       </dsp:style>
       <dsp:txBody>
-        <a:bodyPr spcFirstLastPara="0" vert="horz" wrap="square" lIns="24130" tIns="24130" rIns="24130" bIns="24130" numCol="1" spcCol="1270" anchor="ctr" anchorCtr="0">
+        <a:bodyPr spcFirstLastPara="0" vert="horz" wrap="square" lIns="25400" tIns="25400" rIns="25400" bIns="25400" numCol="1" spcCol="1270" anchor="ctr" anchorCtr="0">
           <a:noAutofit/>
         </a:bodyPr>
         <a:lstStyle/>
         <a:p>
-          <a:pPr marL="0" lvl="0" indent="0" algn="ctr" defTabSz="844550">
+          <a:pPr marL="0" lvl="0" indent="0" algn="ctr" defTabSz="889000">
             <a:lnSpc>
               <a:spcPct val="90000"/>
             </a:lnSpc>
@@ -3365,8 +3365,8 @@
             <a:buNone/>
           </a:pPr>
           <a:r>
-            <a:rPr lang="en-US" sz="1900" kern="1200" dirty="0"/>
-            <a:t>I’m a rebel</a:t>
+            <a:rPr lang="en-US" sz="2000" kern="1200" dirty="0"/>
+            <a:t>I’m happy</a:t>
           </a:r>
         </a:p>
       </dsp:txBody>
@@ -3425,12 +3425,12 @@
         </a:fontRef>
       </dsp:style>
       <dsp:txBody>
-        <a:bodyPr spcFirstLastPara="0" vert="horz" wrap="square" lIns="24130" tIns="24130" rIns="24130" bIns="24130" numCol="1" spcCol="1270" anchor="ctr" anchorCtr="0">
+        <a:bodyPr spcFirstLastPara="0" vert="horz" wrap="square" lIns="25400" tIns="25400" rIns="25400" bIns="25400" numCol="1" spcCol="1270" anchor="ctr" anchorCtr="0">
           <a:noAutofit/>
         </a:bodyPr>
         <a:lstStyle/>
         <a:p>
-          <a:pPr marL="0" lvl="0" indent="0" algn="ctr" defTabSz="844550">
+          <a:pPr marL="0" lvl="0" indent="0" algn="ctr" defTabSz="889000">
             <a:lnSpc>
               <a:spcPct val="90000"/>
             </a:lnSpc>
@@ -3443,8 +3443,8 @@
             <a:buNone/>
           </a:pPr>
           <a:r>
-            <a:rPr lang="en-US" sz="1900" kern="1200" dirty="0"/>
-            <a:t>I’m depressed</a:t>
+            <a:rPr lang="en-US" sz="2000" kern="1200" dirty="0"/>
+            <a:t>I’m sad</a:t>
           </a:r>
         </a:p>
       </dsp:txBody>
@@ -3503,12 +3503,12 @@
         </a:fontRef>
       </dsp:style>
       <dsp:txBody>
-        <a:bodyPr spcFirstLastPara="0" vert="horz" wrap="square" lIns="24130" tIns="24130" rIns="24130" bIns="24130" numCol="1" spcCol="1270" anchor="ctr" anchorCtr="0">
+        <a:bodyPr spcFirstLastPara="0" vert="horz" wrap="square" lIns="25400" tIns="25400" rIns="25400" bIns="25400" numCol="1" spcCol="1270" anchor="ctr" anchorCtr="0">
           <a:noAutofit/>
         </a:bodyPr>
         <a:lstStyle/>
         <a:p>
-          <a:pPr marL="0" lvl="0" indent="0" algn="ctr" defTabSz="844550">
+          <a:pPr marL="0" lvl="0" indent="0" algn="ctr" defTabSz="889000">
             <a:lnSpc>
               <a:spcPct val="90000"/>
             </a:lnSpc>
@@ -3521,7 +3521,7 @@
             <a:buNone/>
           </a:pPr>
           <a:r>
-            <a:rPr lang="en-US" sz="1900" kern="1200" dirty="0"/>
+            <a:rPr lang="en-US" sz="2000" kern="1200" dirty="0"/>
             <a:t>I’m shy</a:t>
           </a:r>
         </a:p>
@@ -3581,12 +3581,12 @@
         </a:fontRef>
       </dsp:style>
       <dsp:txBody>
-        <a:bodyPr spcFirstLastPara="0" vert="horz" wrap="square" lIns="24130" tIns="24130" rIns="24130" bIns="24130" numCol="1" spcCol="1270" anchor="ctr" anchorCtr="0">
+        <a:bodyPr spcFirstLastPara="0" vert="horz" wrap="square" lIns="25400" tIns="25400" rIns="25400" bIns="25400" numCol="1" spcCol="1270" anchor="ctr" anchorCtr="0">
           <a:noAutofit/>
         </a:bodyPr>
         <a:lstStyle/>
         <a:p>
-          <a:pPr marL="0" lvl="0" indent="0" algn="ctr" defTabSz="844550">
+          <a:pPr marL="0" lvl="0" indent="0" algn="ctr" defTabSz="889000">
             <a:lnSpc>
               <a:spcPct val="90000"/>
             </a:lnSpc>
@@ -3599,7 +3599,7 @@
             <a:buNone/>
           </a:pPr>
           <a:r>
-            <a:rPr lang="en-US" sz="1900" kern="1200" dirty="0"/>
+            <a:rPr lang="en-US" sz="2000" kern="1200" dirty="0"/>
             <a:t>I love tennis</a:t>
           </a:r>
         </a:p>
@@ -3659,12 +3659,12 @@
         </a:fontRef>
       </dsp:style>
       <dsp:txBody>
-        <a:bodyPr spcFirstLastPara="0" vert="horz" wrap="square" lIns="24130" tIns="24130" rIns="24130" bIns="24130" numCol="1" spcCol="1270" anchor="ctr" anchorCtr="0">
+        <a:bodyPr spcFirstLastPara="0" vert="horz" wrap="square" lIns="25400" tIns="25400" rIns="25400" bIns="25400" numCol="1" spcCol="1270" anchor="ctr" anchorCtr="0">
           <a:noAutofit/>
         </a:bodyPr>
         <a:lstStyle/>
         <a:p>
-          <a:pPr marL="0" lvl="0" indent="0" algn="ctr" defTabSz="844550">
+          <a:pPr marL="0" lvl="0" indent="0" algn="ctr" defTabSz="889000">
             <a:lnSpc>
               <a:spcPct val="90000"/>
             </a:lnSpc>
@@ -3677,7 +3677,7 @@
             <a:buNone/>
           </a:pPr>
           <a:r>
-            <a:rPr lang="en-US" sz="1900" kern="1200" dirty="0"/>
+            <a:rPr lang="en-US" sz="2000" kern="1200" dirty="0"/>
             <a:t>I love chess</a:t>
           </a:r>
         </a:p>
@@ -10356,7 +10356,7 @@
           <p:nvPr>
             <p:extLst>
               <p:ext uri="{D42A27DB-BD31-4B8C-83A1-F6EECF244321}">
-                <p14:modId xmlns:p14="http://schemas.microsoft.com/office/powerpoint/2010/main" val="4036101857"/>
+                <p14:modId xmlns:p14="http://schemas.microsoft.com/office/powerpoint/2010/main" val="2388166349"/>
               </p:ext>
             </p:extLst>
           </p:nvPr>

--- a/Presentation.pptx
+++ b/Presentation.pptx
@@ -8,6 +8,7 @@
     <p:sldId id="256" r:id="rId2"/>
     <p:sldId id="257" r:id="rId3"/>
     <p:sldId id="258" r:id="rId4"/>
+    <p:sldId id="259" r:id="rId5"/>
   </p:sldIdLst>
   <p:sldSz cx="12192000" cy="6858000"/>
   <p:notesSz cx="6858000" cy="9144000"/>
@@ -3144,7 +3145,7 @@
       </dsp:nvSpPr>
       <dsp:spPr>
         <a:xfrm>
-          <a:off x="2561166" y="1206500"/>
+          <a:off x="1564894" y="1206500"/>
           <a:ext cx="3005666" cy="3005666"/>
         </a:xfrm>
         <a:prstGeom prst="ellipse">
@@ -3215,7 +3216,7 @@
         </a:p>
       </dsp:txBody>
       <dsp:txXfrm>
-        <a:off x="3001336" y="1646670"/>
+        <a:off x="2005064" y="1646670"/>
         <a:ext cx="2125326" cy="2125326"/>
       </dsp:txXfrm>
     </dsp:sp>
@@ -3226,7 +3227,7 @@
       </dsp:nvSpPr>
       <dsp:spPr>
         <a:xfrm>
-          <a:off x="3312583" y="536"/>
+          <a:off x="2316311" y="536"/>
           <a:ext cx="1502833" cy="1502833"/>
         </a:xfrm>
         <a:prstGeom prst="ellipse">
@@ -3293,7 +3294,7 @@
         </a:p>
       </dsp:txBody>
       <dsp:txXfrm>
-        <a:off x="3532668" y="220621"/>
+        <a:off x="2536396" y="220621"/>
         <a:ext cx="1062663" cy="1062663"/>
       </dsp:txXfrm>
     </dsp:sp>
@@ -3304,7 +3305,7 @@
       </dsp:nvSpPr>
       <dsp:spPr>
         <a:xfrm>
-          <a:off x="5007724" y="979226"/>
+          <a:off x="4011452" y="979226"/>
           <a:ext cx="1502833" cy="1502833"/>
         </a:xfrm>
         <a:prstGeom prst="ellipse">
@@ -3371,7 +3372,7 @@
         </a:p>
       </dsp:txBody>
       <dsp:txXfrm>
-        <a:off x="5227809" y="1199311"/>
+        <a:off x="4231537" y="1199311"/>
         <a:ext cx="1062663" cy="1062663"/>
       </dsp:txXfrm>
     </dsp:sp>
@@ -3382,7 +3383,7 @@
       </dsp:nvSpPr>
       <dsp:spPr>
         <a:xfrm>
-          <a:off x="5007724" y="2936606"/>
+          <a:off x="4011452" y="2936606"/>
           <a:ext cx="1502833" cy="1502833"/>
         </a:xfrm>
         <a:prstGeom prst="ellipse">
@@ -3449,7 +3450,7 @@
         </a:p>
       </dsp:txBody>
       <dsp:txXfrm>
-        <a:off x="5227809" y="3156691"/>
+        <a:off x="4231537" y="3156691"/>
         <a:ext cx="1062663" cy="1062663"/>
       </dsp:txXfrm>
     </dsp:sp>
@@ -3460,7 +3461,7 @@
       </dsp:nvSpPr>
       <dsp:spPr>
         <a:xfrm>
-          <a:off x="3312583" y="3915297"/>
+          <a:off x="2316311" y="3915297"/>
           <a:ext cx="1502833" cy="1502833"/>
         </a:xfrm>
         <a:prstGeom prst="ellipse">
@@ -3527,7 +3528,7 @@
         </a:p>
       </dsp:txBody>
       <dsp:txXfrm>
-        <a:off x="3532668" y="4135382"/>
+        <a:off x="2536396" y="4135382"/>
         <a:ext cx="1062663" cy="1062663"/>
       </dsp:txXfrm>
     </dsp:sp>
@@ -3538,7 +3539,7 @@
       </dsp:nvSpPr>
       <dsp:spPr>
         <a:xfrm>
-          <a:off x="1617442" y="2936606"/>
+          <a:off x="621170" y="2936606"/>
           <a:ext cx="1502833" cy="1502833"/>
         </a:xfrm>
         <a:prstGeom prst="ellipse">
@@ -3605,7 +3606,7 @@
         </a:p>
       </dsp:txBody>
       <dsp:txXfrm>
-        <a:off x="1837527" y="3156691"/>
+        <a:off x="841255" y="3156691"/>
         <a:ext cx="1062663" cy="1062663"/>
       </dsp:txXfrm>
     </dsp:sp>
@@ -3616,7 +3617,7 @@
       </dsp:nvSpPr>
       <dsp:spPr>
         <a:xfrm>
-          <a:off x="1617442" y="979226"/>
+          <a:off x="621170" y="979226"/>
           <a:ext cx="1502833" cy="1502833"/>
         </a:xfrm>
         <a:prstGeom prst="ellipse">
@@ -3683,7 +3684,7 @@
         </a:p>
       </dsp:txBody>
       <dsp:txXfrm>
-        <a:off x="1837527" y="1199311"/>
+        <a:off x="841255" y="1199311"/>
         <a:ext cx="1062663" cy="1062663"/>
       </dsp:txXfrm>
     </dsp:sp>
@@ -10331,7 +10332,7 @@
             </a:pPr>
             <a:r>
               <a:rPr lang="en-US" b="1" dirty="0"/>
-              <a:t>Language!</a:t>
+              <a:t>Programming Language!</a:t>
             </a:r>
           </a:p>
           <a:p>
@@ -10356,14 +10357,14 @@
           <p:nvPr>
             <p:extLst>
               <p:ext uri="{D42A27DB-BD31-4B8C-83A1-F6EECF244321}">
-                <p14:modId xmlns:p14="http://schemas.microsoft.com/office/powerpoint/2010/main" val="2388166349"/>
+                <p14:modId xmlns:p14="http://schemas.microsoft.com/office/powerpoint/2010/main" val="1720155835"/>
               </p:ext>
             </p:extLst>
           </p:nvPr>
         </p:nvGraphicFramePr>
         <p:xfrm>
-          <a:off x="4579891" y="450427"/>
-          <a:ext cx="8128000" cy="5418667"/>
+          <a:off x="5805010" y="450427"/>
+          <a:ext cx="6135456" cy="5418667"/>
         </p:xfrm>
         <a:graphic>
           <a:graphicData uri="http://schemas.openxmlformats.org/drawingml/2006/diagram">
@@ -10375,6 +10376,210 @@
     <p:extLst>
       <p:ext uri="{BB962C8B-B14F-4D97-AF65-F5344CB8AC3E}">
         <p14:creationId xmlns:p14="http://schemas.microsoft.com/office/powerpoint/2010/main" val="2422045871"/>
+      </p:ext>
+    </p:extLst>
+  </p:cSld>
+  <p:clrMapOvr>
+    <a:masterClrMapping/>
+  </p:clrMapOvr>
+</p:sld>
+</file>
+
+<file path=ppt/slides/slide4.xml><?xml version="1.0" encoding="utf-8"?>
+<p:sld xmlns:a="http://schemas.openxmlformats.org/drawingml/2006/main" xmlns:r="http://schemas.openxmlformats.org/officeDocument/2006/relationships" xmlns:p="http://schemas.openxmlformats.org/presentationml/2006/main">
+  <p:cSld>
+    <p:spTree>
+      <p:nvGrpSpPr>
+        <p:cNvPr id="1" name=""/>
+        <p:cNvGrpSpPr/>
+        <p:nvPr/>
+      </p:nvGrpSpPr>
+      <p:grpSpPr>
+        <a:xfrm>
+          <a:off x="0" y="0"/>
+          <a:ext cx="0" cy="0"/>
+          <a:chOff x="0" y="0"/>
+          <a:chExt cx="0" cy="0"/>
+        </a:xfrm>
+      </p:grpSpPr>
+      <p:sp>
+        <p:nvSpPr>
+          <p:cNvPr id="2" name="Title 1">
+            <a:extLst>
+              <a:ext uri="{FF2B5EF4-FFF2-40B4-BE49-F238E27FC236}">
+                <a16:creationId xmlns:a16="http://schemas.microsoft.com/office/drawing/2014/main" id="{F61FB2C5-30FA-468B-8BF3-492BEFB0379F}"/>
+              </a:ext>
+            </a:extLst>
+          </p:cNvPr>
+          <p:cNvSpPr>
+            <a:spLocks noGrp="1"/>
+          </p:cNvSpPr>
+          <p:nvPr>
+            <p:ph type="title"/>
+          </p:nvPr>
+        </p:nvSpPr>
+        <p:spPr/>
+        <p:txBody>
+          <a:bodyPr/>
+          <a:lstStyle/>
+          <a:p>
+            <a:r>
+              <a:rPr lang="en-US" dirty="0"/>
+              <a:t>How?</a:t>
+            </a:r>
+            <a:endParaRPr lang="ro-RO" dirty="0"/>
+          </a:p>
+        </p:txBody>
+      </p:sp>
+      <p:sp>
+        <p:nvSpPr>
+          <p:cNvPr id="3" name="Content Placeholder 2">
+            <a:extLst>
+              <a:ext uri="{FF2B5EF4-FFF2-40B4-BE49-F238E27FC236}">
+                <a16:creationId xmlns:a16="http://schemas.microsoft.com/office/drawing/2014/main" id="{4E55E4FF-F9DA-4116-8AF5-B0062678B542}"/>
+              </a:ext>
+            </a:extLst>
+          </p:cNvPr>
+          <p:cNvSpPr>
+            <a:spLocks noGrp="1"/>
+          </p:cNvSpPr>
+          <p:nvPr>
+            <p:ph idx="1"/>
+          </p:nvPr>
+        </p:nvSpPr>
+        <p:spPr/>
+        <p:txBody>
+          <a:bodyPr/>
+          <a:lstStyle/>
+          <a:p>
+            <a:r>
+              <a:rPr lang="en-US" sz="2400" dirty="0"/>
+              <a:t>Writing and orchestrating </a:t>
+            </a:r>
+            <a:r>
+              <a:rPr lang="en-US" sz="2400" b="1" dirty="0"/>
+              <a:t>independent apps</a:t>
+            </a:r>
+            <a:r>
+              <a:rPr lang="en-US" sz="2400" dirty="0"/>
+              <a:t> that can </a:t>
+            </a:r>
+            <a:r>
+              <a:rPr lang="en-US" sz="2400" b="1" dirty="0"/>
+              <a:t>talk to each other</a:t>
+            </a:r>
+          </a:p>
+          <a:p>
+            <a:pPr lvl="1">
+              <a:buFont typeface="Arial" panose="020B0604020202020204" pitchFamily="34" charset="0"/>
+              <a:buChar char="•"/>
+            </a:pPr>
+            <a:r>
+              <a:rPr lang="en-US" dirty="0"/>
+              <a:t>File</a:t>
+            </a:r>
+          </a:p>
+          <a:p>
+            <a:pPr lvl="1">
+              <a:buFont typeface="Arial" panose="020B0604020202020204" pitchFamily="34" charset="0"/>
+              <a:buChar char="•"/>
+            </a:pPr>
+            <a:r>
+              <a:rPr lang="en-US" dirty="0"/>
+              <a:t>Signal</a:t>
+            </a:r>
+          </a:p>
+          <a:p>
+            <a:pPr lvl="1">
+              <a:buFont typeface="Arial" panose="020B0604020202020204" pitchFamily="34" charset="0"/>
+              <a:buChar char="•"/>
+            </a:pPr>
+            <a:r>
+              <a:rPr lang="en-US" dirty="0"/>
+              <a:t>Socket</a:t>
+            </a:r>
+          </a:p>
+          <a:p>
+            <a:pPr lvl="2">
+              <a:buFont typeface="Arial" panose="020B0604020202020204" pitchFamily="34" charset="0"/>
+              <a:buChar char="•"/>
+            </a:pPr>
+            <a:r>
+              <a:rPr lang="en-US" dirty="0"/>
+              <a:t>UDP</a:t>
+            </a:r>
+          </a:p>
+          <a:p>
+            <a:pPr lvl="2">
+              <a:buFont typeface="Arial" panose="020B0604020202020204" pitchFamily="34" charset="0"/>
+              <a:buChar char="•"/>
+            </a:pPr>
+            <a:r>
+              <a:rPr lang="en-US" dirty="0"/>
+              <a:t>TCP</a:t>
+            </a:r>
+          </a:p>
+          <a:p>
+            <a:pPr lvl="3">
+              <a:buFont typeface="Arial" panose="020B0604020202020204" pitchFamily="34" charset="0"/>
+              <a:buChar char="•"/>
+            </a:pPr>
+            <a:r>
+              <a:rPr lang="en-US" sz="2000" b="1" dirty="0"/>
+              <a:t>HTTP – </a:t>
+            </a:r>
+            <a:r>
+              <a:rPr lang="en-US" sz="2000" b="1" i="1" dirty="0"/>
+              <a:t>NancyFx</a:t>
+            </a:r>
+            <a:endParaRPr lang="en-US" b="1" i="1" dirty="0"/>
+          </a:p>
+          <a:p>
+            <a:pPr lvl="1">
+              <a:buFont typeface="Arial" panose="020B0604020202020204" pitchFamily="34" charset="0"/>
+              <a:buChar char="•"/>
+            </a:pPr>
+            <a:r>
+              <a:rPr lang="en-US" dirty="0"/>
+              <a:t>Message Queue</a:t>
+            </a:r>
+          </a:p>
+          <a:p>
+            <a:pPr lvl="1">
+              <a:buFont typeface="Arial" panose="020B0604020202020204" pitchFamily="34" charset="0"/>
+              <a:buChar char="•"/>
+            </a:pPr>
+            <a:r>
+              <a:rPr lang="en-US" dirty="0"/>
+              <a:t>Pipe</a:t>
+            </a:r>
+          </a:p>
+          <a:p>
+            <a:pPr lvl="1">
+              <a:buFont typeface="Arial" panose="020B0604020202020204" pitchFamily="34" charset="0"/>
+              <a:buChar char="•"/>
+            </a:pPr>
+            <a:r>
+              <a:rPr lang="en-US" dirty="0"/>
+              <a:t>Named Pipe</a:t>
+            </a:r>
+          </a:p>
+          <a:p>
+            <a:pPr lvl="1">
+              <a:buFont typeface="Arial" panose="020B0604020202020204" pitchFamily="34" charset="0"/>
+              <a:buChar char="•"/>
+            </a:pPr>
+            <a:r>
+              <a:rPr lang="en-US" dirty="0"/>
+              <a:t>Shared Memory</a:t>
+            </a:r>
+          </a:p>
+        </p:txBody>
+      </p:sp>
+    </p:spTree>
+    <p:extLst>
+      <p:ext uri="{BB962C8B-B14F-4D97-AF65-F5344CB8AC3E}">
+        <p14:creationId xmlns:p14="http://schemas.microsoft.com/office/powerpoint/2010/main" val="3821413324"/>
       </p:ext>
     </p:extLst>
   </p:cSld>

--- a/Presentation.pptx
+++ b/Presentation.pptx
@@ -9,6 +9,7 @@
     <p:sldId id="257" r:id="rId3"/>
     <p:sldId id="258" r:id="rId4"/>
     <p:sldId id="259" r:id="rId5"/>
+    <p:sldId id="260" r:id="rId6"/>
   </p:sldIdLst>
   <p:sldSz cx="12192000" cy="6858000"/>
   <p:notesSz cx="6858000" cy="9144000"/>
@@ -10324,6 +10325,10 @@
               <a:rPr lang="en-US" dirty="0"/>
               <a:t>Platform</a:t>
             </a:r>
+            <a:r>
+              <a:rPr lang="en-US" i="1" dirty="0"/>
+              <a:t> -ish</a:t>
+            </a:r>
           </a:p>
           <a:p>
             <a:pPr lvl="2">
@@ -10449,7 +10454,9 @@
         </p:nvSpPr>
         <p:spPr/>
         <p:txBody>
-          <a:bodyPr/>
+          <a:bodyPr>
+            <a:normAutofit lnSpcReduction="10000"/>
+          </a:bodyPr>
           <a:lstStyle/>
           <a:p>
             <a:r>
@@ -10532,7 +10539,6 @@
               <a:rPr lang="en-US" sz="2000" b="1" i="1" dirty="0"/>
               <a:t>NancyFx</a:t>
             </a:r>
-            <a:endParaRPr lang="en-US" b="1" i="1" dirty="0"/>
           </a:p>
           <a:p>
             <a:pPr lvl="1">
@@ -10540,8 +10546,12 @@
               <a:buChar char="•"/>
             </a:pPr>
             <a:r>
+              <a:rPr lang="en-US"/>
+              <a:t>Message </a:t>
+            </a:r>
+            <a:r>
               <a:rPr lang="en-US" dirty="0"/>
-              <a:t>Message Queue</a:t>
+              <a:t>Queue</a:t>
             </a:r>
           </a:p>
           <a:p>
@@ -10574,12 +10584,135 @@
               <a:t>Shared Memory</a:t>
             </a:r>
           </a:p>
+          <a:p>
+            <a:pPr marL="201168" lvl="1" indent="0">
+              <a:buNone/>
+            </a:pPr>
+            <a:endParaRPr lang="en-US" dirty="0"/>
+          </a:p>
+          <a:p>
+            <a:pPr marL="201168" lvl="1" indent="0">
+              <a:buNone/>
+            </a:pPr>
+            <a:r>
+              <a:rPr lang="en-US" b="1" i="1" dirty="0"/>
+              <a:t>[Switch to Code]</a:t>
+            </a:r>
+          </a:p>
         </p:txBody>
       </p:sp>
     </p:spTree>
     <p:extLst>
       <p:ext uri="{BB962C8B-B14F-4D97-AF65-F5344CB8AC3E}">
         <p14:creationId xmlns:p14="http://schemas.microsoft.com/office/powerpoint/2010/main" val="3821413324"/>
+      </p:ext>
+    </p:extLst>
+  </p:cSld>
+  <p:clrMapOvr>
+    <a:masterClrMapping/>
+  </p:clrMapOvr>
+</p:sld>
+</file>
+
+<file path=ppt/slides/slide5.xml><?xml version="1.0" encoding="utf-8"?>
+<p:sld xmlns:a="http://schemas.openxmlformats.org/drawingml/2006/main" xmlns:r="http://schemas.openxmlformats.org/officeDocument/2006/relationships" xmlns:p="http://schemas.openxmlformats.org/presentationml/2006/main">
+  <p:cSld>
+    <p:spTree>
+      <p:nvGrpSpPr>
+        <p:cNvPr id="1" name=""/>
+        <p:cNvGrpSpPr/>
+        <p:nvPr/>
+      </p:nvGrpSpPr>
+      <p:grpSpPr>
+        <a:xfrm>
+          <a:off x="0" y="0"/>
+          <a:ext cx="0" cy="0"/>
+          <a:chOff x="0" y="0"/>
+          <a:chExt cx="0" cy="0"/>
+        </a:xfrm>
+      </p:grpSpPr>
+      <p:sp>
+        <p:nvSpPr>
+          <p:cNvPr id="2" name="Title 1">
+            <a:extLst>
+              <a:ext uri="{FF2B5EF4-FFF2-40B4-BE49-F238E27FC236}">
+                <a16:creationId xmlns:a16="http://schemas.microsoft.com/office/drawing/2014/main" id="{A9408CEB-9219-4485-ABD7-A47F2A11F1D8}"/>
+              </a:ext>
+            </a:extLst>
+          </p:cNvPr>
+          <p:cNvSpPr>
+            <a:spLocks noGrp="1"/>
+          </p:cNvSpPr>
+          <p:nvPr>
+            <p:ph type="title"/>
+          </p:nvPr>
+        </p:nvSpPr>
+        <p:spPr/>
+        <p:txBody>
+          <a:bodyPr/>
+          <a:lstStyle/>
+          <a:p>
+            <a:r>
+              <a:rPr lang="en-US" dirty="0"/>
+              <a:t>Easy… AF</a:t>
+            </a:r>
+            <a:endParaRPr lang="ro-RO" dirty="0"/>
+          </a:p>
+        </p:txBody>
+      </p:sp>
+      <p:sp>
+        <p:nvSpPr>
+          <p:cNvPr id="3" name="Content Placeholder 2">
+            <a:extLst>
+              <a:ext uri="{FF2B5EF4-FFF2-40B4-BE49-F238E27FC236}">
+                <a16:creationId xmlns:a16="http://schemas.microsoft.com/office/drawing/2014/main" id="{24062BF4-B13E-4FD6-8805-EAAB2DAC86AD}"/>
+              </a:ext>
+            </a:extLst>
+          </p:cNvPr>
+          <p:cNvSpPr>
+            <a:spLocks noGrp="1"/>
+          </p:cNvSpPr>
+          <p:nvPr>
+            <p:ph idx="1"/>
+          </p:nvPr>
+        </p:nvSpPr>
+        <p:spPr/>
+        <p:txBody>
+          <a:bodyPr/>
+          <a:lstStyle/>
+          <a:p>
+            <a:r>
+              <a:rPr lang="en-US" b="1" dirty="0"/>
+              <a:t>A</a:t>
+            </a:r>
+            <a:r>
+              <a:rPr lang="en-US" dirty="0"/>
+              <a:t>lways </a:t>
+            </a:r>
+            <a:r>
+              <a:rPr lang="en-US" b="1" dirty="0"/>
+              <a:t>F</a:t>
+            </a:r>
+            <a:r>
+              <a:rPr lang="en-US" dirty="0"/>
+              <a:t>ail </a:t>
+            </a:r>
+            <a:r>
+              <a:rPr lang="en-US" b="1" dirty="0"/>
+              <a:t>B</a:t>
+            </a:r>
+            <a:r>
+              <a:rPr lang="en-US" dirty="0"/>
+              <a:t>etter!</a:t>
+            </a:r>
+            <a:endParaRPr lang="ro-RO" dirty="0"/>
+          </a:p>
+        </p:txBody>
+      </p:sp>
+    </p:spTree>
+    <p:extLst>
+      <p:ext uri="{BB962C8B-B14F-4D97-AF65-F5344CB8AC3E}">
+        <p14:creationId xmlns:p14="http://schemas.microsoft.com/office/powerpoint/2010/main" val="1189620101"/>
       </p:ext>
     </p:extLst>
   </p:cSld>

--- a/Presentation.pptx
+++ b/Presentation.pptx
@@ -108,6 +108,11 @@
       </a:defRPr>
     </a:lvl9pPr>
   </p:defaultTextStyle>
+  <p:extLst>
+    <p:ext uri="{EFAFB233-063F-42B5-8137-9DF3F51BA10A}">
+      <p15:sldGuideLst xmlns:p15="http://schemas.microsoft.com/office/powerpoint/2012/main"/>
+    </p:ext>
+  </p:extLst>
 </p:presentation>
 </file>
 
@@ -6533,7 +6538,7 @@
           <a:p>
             <a:fld id="{C5DED0A6-8398-48B7-8D78-E76AD10DF4FD}" type="datetimeFigureOut">
               <a:rPr lang="ro-RO" smtClean="0"/>
-              <a:t>28.08.2017</a:t>
+              <a:t>29.08.2017</a:t>
             </a:fld>
             <a:endParaRPr lang="ro-RO"/>
           </a:p>
@@ -6741,7 +6746,7 @@
           <a:p>
             <a:fld id="{C5DED0A6-8398-48B7-8D78-E76AD10DF4FD}" type="datetimeFigureOut">
               <a:rPr lang="ro-RO" smtClean="0"/>
-              <a:t>28.08.2017</a:t>
+              <a:t>29.08.2017</a:t>
             </a:fld>
             <a:endParaRPr lang="ro-RO"/>
           </a:p>
@@ -6997,7 +7002,7 @@
           <a:p>
             <a:fld id="{C5DED0A6-8398-48B7-8D78-E76AD10DF4FD}" type="datetimeFigureOut">
               <a:rPr lang="ro-RO" smtClean="0"/>
-              <a:t>28.08.2017</a:t>
+              <a:t>29.08.2017</a:t>
             </a:fld>
             <a:endParaRPr lang="ro-RO"/>
           </a:p>
@@ -7171,7 +7176,7 @@
           <a:p>
             <a:fld id="{C5DED0A6-8398-48B7-8D78-E76AD10DF4FD}" type="datetimeFigureOut">
               <a:rPr lang="ro-RO" smtClean="0"/>
-              <a:t>28.08.2017</a:t>
+              <a:t>29.08.2017</a:t>
             </a:fld>
             <a:endParaRPr lang="ro-RO"/>
           </a:p>
@@ -7514,7 +7519,7 @@
           <a:p>
             <a:fld id="{C5DED0A6-8398-48B7-8D78-E76AD10DF4FD}" type="datetimeFigureOut">
               <a:rPr lang="ro-RO" smtClean="0"/>
-              <a:t>28.08.2017</a:t>
+              <a:t>29.08.2017</a:t>
             </a:fld>
             <a:endParaRPr lang="ro-RO"/>
           </a:p>
@@ -7789,7 +7794,7 @@
           <a:p>
             <a:fld id="{C5DED0A6-8398-48B7-8D78-E76AD10DF4FD}" type="datetimeFigureOut">
               <a:rPr lang="ro-RO" smtClean="0"/>
-              <a:t>28.08.2017</a:t>
+              <a:t>29.08.2017</a:t>
             </a:fld>
             <a:endParaRPr lang="ro-RO"/>
           </a:p>
@@ -8168,7 +8173,7 @@
           <a:p>
             <a:fld id="{C5DED0A6-8398-48B7-8D78-E76AD10DF4FD}" type="datetimeFigureOut">
               <a:rPr lang="ro-RO" smtClean="0"/>
-              <a:t>28.08.2017</a:t>
+              <a:t>29.08.2017</a:t>
             </a:fld>
             <a:endParaRPr lang="ro-RO"/>
           </a:p>
@@ -8286,7 +8291,7 @@
           <a:p>
             <a:fld id="{C5DED0A6-8398-48B7-8D78-E76AD10DF4FD}" type="datetimeFigureOut">
               <a:rPr lang="ro-RO" smtClean="0"/>
-              <a:t>28.08.2017</a:t>
+              <a:t>29.08.2017</a:t>
             </a:fld>
             <a:endParaRPr lang="ro-RO"/>
           </a:p>
@@ -8457,7 +8462,7 @@
           <a:p>
             <a:fld id="{C5DED0A6-8398-48B7-8D78-E76AD10DF4FD}" type="datetimeFigureOut">
               <a:rPr lang="ro-RO" smtClean="0"/>
-              <a:t>28.08.2017</a:t>
+              <a:t>29.08.2017</a:t>
             </a:fld>
             <a:endParaRPr lang="ro-RO"/>
           </a:p>
@@ -8811,7 +8816,7 @@
           <a:p>
             <a:fld id="{C5DED0A6-8398-48B7-8D78-E76AD10DF4FD}" type="datetimeFigureOut">
               <a:rPr lang="ro-RO" smtClean="0"/>
-              <a:t>28.08.2017</a:t>
+              <a:t>29.08.2017</a:t>
             </a:fld>
             <a:endParaRPr lang="ro-RO"/>
           </a:p>
@@ -9193,7 +9198,7 @@
           <a:p>
             <a:fld id="{C5DED0A6-8398-48B7-8D78-E76AD10DF4FD}" type="datetimeFigureOut">
               <a:rPr lang="ro-RO" smtClean="0"/>
-              <a:t>28.08.2017</a:t>
+              <a:t>29.08.2017</a:t>
             </a:fld>
             <a:endParaRPr lang="ro-RO"/>
           </a:p>
@@ -9480,7 +9485,7 @@
           <a:p>
             <a:fld id="{C5DED0A6-8398-48B7-8D78-E76AD10DF4FD}" type="datetimeFigureOut">
               <a:rPr lang="ro-RO" smtClean="0"/>
-              <a:t>28.08.2017</a:t>
+              <a:t>29.08.2017</a:t>
             </a:fld>
             <a:endParaRPr lang="ro-RO"/>
           </a:p>
@@ -10532,8 +10537,20 @@
               <a:buChar char="•"/>
             </a:pPr>
             <a:r>
+              <a:rPr lang="en-US" sz="2000" b="1"/>
+              <a:t>HTTP </a:t>
+            </a:r>
+            <a:r>
+              <a:rPr lang="en-US" sz="2000" i="1"/>
+              <a:t>(“Lingua Franca” </a:t>
+            </a:r>
+            <a:r>
+              <a:rPr lang="en-US" sz="2000" i="1" dirty="0"/>
+              <a:t>of apps)</a:t>
+            </a:r>
+            <a:r>
               <a:rPr lang="en-US" sz="2000" b="1" dirty="0"/>
-              <a:t>HTTP – </a:t>
+              <a:t> – </a:t>
             </a:r>
             <a:r>
               <a:rPr lang="en-US" sz="2000" b="1" i="1" dirty="0"/>
@@ -10546,12 +10563,8 @@
               <a:buChar char="•"/>
             </a:pPr>
             <a:r>
-              <a:rPr lang="en-US"/>
-              <a:t>Message </a:t>
-            </a:r>
-            <a:r>
               <a:rPr lang="en-US" dirty="0"/>
-              <a:t>Queue</a:t>
+              <a:t>Message Queue</a:t>
             </a:r>
           </a:p>
           <a:p>
